--- a/中越詩歌/我要唱快樂頌_Mừng ngày.pptx
+++ b/中越詩歌/我要唱快樂頌_Mừng ngày.pptx
@@ -112,6 +112,11 @@
       </a:defRPr>
     </a:lvl9pPr>
   </p:defaultTextStyle>
+  <p:extLst>
+    <p:ext uri="{EFAFB233-063F-42B5-8137-9DF3F51BA10A}">
+      <p15:sldGuideLst xmlns:p15="http://schemas.microsoft.com/office/powerpoint/2012/main"/>
+    </p:ext>
+  </p:extLst>
 </p:presentation>
 </file>
 
@@ -153,7 +158,7 @@
           <a:lstStyle/>
           <a:p>
             <a:r>
-              <a:rPr lang="en-US" altLang="zh-TW" smtClean="0"/>
+              <a:rPr lang="en-US" altLang="zh-TW"/>
               <a:t>Click to edit Master title style</a:t>
             </a:r>
             <a:endParaRPr lang="zh-TW" altLang="en-US"/>
@@ -272,7 +277,7 @@
           </a:lstStyle>
           <a:p>
             <a:r>
-              <a:rPr lang="en-US" altLang="zh-TW" smtClean="0"/>
+              <a:rPr lang="en-US" altLang="zh-TW"/>
               <a:t>Click to edit Master subtitle style</a:t>
             </a:r>
             <a:endParaRPr lang="zh-TW" altLang="en-US"/>
@@ -296,7 +301,7 @@
           <a:p>
             <a:fld id="{7F34E370-1F60-4349-8241-6663164F08B2}" type="datetimeFigureOut">
               <a:rPr lang="vi-VN" smtClean="0"/>
-              <a:t>24/12/2022</a:t>
+              <a:t>25/12/2023</a:t>
             </a:fld>
             <a:endParaRPr lang="vi-VN"/>
           </a:p>
@@ -390,7 +395,7 @@
           <a:lstStyle/>
           <a:p>
             <a:r>
-              <a:rPr lang="en-US" altLang="zh-TW" smtClean="0"/>
+              <a:rPr lang="en-US" altLang="zh-TW"/>
               <a:t>Click to edit Master title style</a:t>
             </a:r>
             <a:endParaRPr lang="zh-TW" altLang="en-US"/>
@@ -414,35 +419,35 @@
           <a:p>
             <a:pPr lvl="0"/>
             <a:r>
-              <a:rPr lang="en-US" altLang="zh-TW" smtClean="0"/>
+              <a:rPr lang="en-US" altLang="zh-TW"/>
               <a:t>Edit Master text styles</a:t>
             </a:r>
           </a:p>
           <a:p>
             <a:pPr lvl="1"/>
             <a:r>
-              <a:rPr lang="en-US" altLang="zh-TW" smtClean="0"/>
+              <a:rPr lang="en-US" altLang="zh-TW"/>
               <a:t>Second level</a:t>
             </a:r>
           </a:p>
           <a:p>
             <a:pPr lvl="2"/>
             <a:r>
-              <a:rPr lang="en-US" altLang="zh-TW" smtClean="0"/>
+              <a:rPr lang="en-US" altLang="zh-TW"/>
               <a:t>Third level</a:t>
             </a:r>
           </a:p>
           <a:p>
             <a:pPr lvl="3"/>
             <a:r>
-              <a:rPr lang="en-US" altLang="zh-TW" smtClean="0"/>
+              <a:rPr lang="en-US" altLang="zh-TW"/>
               <a:t>Fourth level</a:t>
             </a:r>
           </a:p>
           <a:p>
             <a:pPr lvl="4"/>
             <a:r>
-              <a:rPr lang="en-US" altLang="zh-TW" smtClean="0"/>
+              <a:rPr lang="en-US" altLang="zh-TW"/>
               <a:t>Fifth level</a:t>
             </a:r>
             <a:endParaRPr lang="zh-TW" altLang="en-US"/>
@@ -466,7 +471,7 @@
           <a:p>
             <a:fld id="{7F34E370-1F60-4349-8241-6663164F08B2}" type="datetimeFigureOut">
               <a:rPr lang="vi-VN" smtClean="0"/>
-              <a:t>24/12/2022</a:t>
+              <a:t>25/12/2023</a:t>
             </a:fld>
             <a:endParaRPr lang="vi-VN"/>
           </a:p>
@@ -565,7 +570,7 @@
           <a:lstStyle/>
           <a:p>
             <a:r>
-              <a:rPr lang="en-US" altLang="zh-TW" smtClean="0"/>
+              <a:rPr lang="en-US" altLang="zh-TW"/>
               <a:t>Click to edit Master title style</a:t>
             </a:r>
             <a:endParaRPr lang="zh-TW" altLang="en-US"/>
@@ -594,35 +599,35 @@
           <a:p>
             <a:pPr lvl="0"/>
             <a:r>
-              <a:rPr lang="en-US" altLang="zh-TW" smtClean="0"/>
+              <a:rPr lang="en-US" altLang="zh-TW"/>
               <a:t>Edit Master text styles</a:t>
             </a:r>
           </a:p>
           <a:p>
             <a:pPr lvl="1"/>
             <a:r>
-              <a:rPr lang="en-US" altLang="zh-TW" smtClean="0"/>
+              <a:rPr lang="en-US" altLang="zh-TW"/>
               <a:t>Second level</a:t>
             </a:r>
           </a:p>
           <a:p>
             <a:pPr lvl="2"/>
             <a:r>
-              <a:rPr lang="en-US" altLang="zh-TW" smtClean="0"/>
+              <a:rPr lang="en-US" altLang="zh-TW"/>
               <a:t>Third level</a:t>
             </a:r>
           </a:p>
           <a:p>
             <a:pPr lvl="3"/>
             <a:r>
-              <a:rPr lang="en-US" altLang="zh-TW" smtClean="0"/>
+              <a:rPr lang="en-US" altLang="zh-TW"/>
               <a:t>Fourth level</a:t>
             </a:r>
           </a:p>
           <a:p>
             <a:pPr lvl="4"/>
             <a:r>
-              <a:rPr lang="en-US" altLang="zh-TW" smtClean="0"/>
+              <a:rPr lang="en-US" altLang="zh-TW"/>
               <a:t>Fifth level</a:t>
             </a:r>
             <a:endParaRPr lang="zh-TW" altLang="en-US"/>
@@ -646,7 +651,7 @@
           <a:p>
             <a:fld id="{7F34E370-1F60-4349-8241-6663164F08B2}" type="datetimeFigureOut">
               <a:rPr lang="vi-VN" smtClean="0"/>
-              <a:t>24/12/2022</a:t>
+              <a:t>25/12/2023</a:t>
             </a:fld>
             <a:endParaRPr lang="vi-VN"/>
           </a:p>
@@ -740,7 +745,7 @@
           <a:lstStyle/>
           <a:p>
             <a:r>
-              <a:rPr lang="en-US" altLang="zh-TW" smtClean="0"/>
+              <a:rPr lang="en-US" altLang="zh-TW"/>
               <a:t>Click to edit Master title style</a:t>
             </a:r>
             <a:endParaRPr lang="zh-TW" altLang="en-US"/>
@@ -764,35 +769,35 @@
           <a:p>
             <a:pPr lvl="0"/>
             <a:r>
-              <a:rPr lang="en-US" altLang="zh-TW" smtClean="0"/>
+              <a:rPr lang="en-US" altLang="zh-TW"/>
               <a:t>Edit Master text styles</a:t>
             </a:r>
           </a:p>
           <a:p>
             <a:pPr lvl="1"/>
             <a:r>
-              <a:rPr lang="en-US" altLang="zh-TW" smtClean="0"/>
+              <a:rPr lang="en-US" altLang="zh-TW"/>
               <a:t>Second level</a:t>
             </a:r>
           </a:p>
           <a:p>
             <a:pPr lvl="2"/>
             <a:r>
-              <a:rPr lang="en-US" altLang="zh-TW" smtClean="0"/>
+              <a:rPr lang="en-US" altLang="zh-TW"/>
               <a:t>Third level</a:t>
             </a:r>
           </a:p>
           <a:p>
             <a:pPr lvl="3"/>
             <a:r>
-              <a:rPr lang="en-US" altLang="zh-TW" smtClean="0"/>
+              <a:rPr lang="en-US" altLang="zh-TW"/>
               <a:t>Fourth level</a:t>
             </a:r>
           </a:p>
           <a:p>
             <a:pPr lvl="4"/>
             <a:r>
-              <a:rPr lang="en-US" altLang="zh-TW" smtClean="0"/>
+              <a:rPr lang="en-US" altLang="zh-TW"/>
               <a:t>Fifth level</a:t>
             </a:r>
             <a:endParaRPr lang="zh-TW" altLang="en-US"/>
@@ -816,7 +821,7 @@
           <a:p>
             <a:fld id="{7F34E370-1F60-4349-8241-6663164F08B2}" type="datetimeFigureOut">
               <a:rPr lang="vi-VN" smtClean="0"/>
-              <a:t>24/12/2022</a:t>
+              <a:t>25/12/2023</a:t>
             </a:fld>
             <a:endParaRPr lang="vi-VN"/>
           </a:p>
@@ -919,7 +924,7 @@
           </a:lstStyle>
           <a:p>
             <a:r>
-              <a:rPr lang="en-US" altLang="zh-TW" smtClean="0"/>
+              <a:rPr lang="en-US" altLang="zh-TW"/>
               <a:t>Click to edit Master title style</a:t>
             </a:r>
             <a:endParaRPr lang="zh-TW" altLang="en-US"/>
@@ -1039,7 +1044,7 @@
           <a:p>
             <a:pPr lvl="0"/>
             <a:r>
-              <a:rPr lang="en-US" altLang="zh-TW" smtClean="0"/>
+              <a:rPr lang="en-US" altLang="zh-TW"/>
               <a:t>Edit Master text styles</a:t>
             </a:r>
           </a:p>
@@ -1062,7 +1067,7 @@
           <a:p>
             <a:fld id="{7F34E370-1F60-4349-8241-6663164F08B2}" type="datetimeFigureOut">
               <a:rPr lang="vi-VN" smtClean="0"/>
-              <a:t>24/12/2022</a:t>
+              <a:t>25/12/2023</a:t>
             </a:fld>
             <a:endParaRPr lang="vi-VN"/>
           </a:p>
@@ -1156,7 +1161,7 @@
           <a:lstStyle/>
           <a:p>
             <a:r>
-              <a:rPr lang="en-US" altLang="zh-TW" smtClean="0"/>
+              <a:rPr lang="en-US" altLang="zh-TW"/>
               <a:t>Click to edit Master title style</a:t>
             </a:r>
             <a:endParaRPr lang="zh-TW" altLang="en-US"/>
@@ -1213,35 +1218,35 @@
           <a:p>
             <a:pPr lvl="0"/>
             <a:r>
-              <a:rPr lang="en-US" altLang="zh-TW" smtClean="0"/>
+              <a:rPr lang="en-US" altLang="zh-TW"/>
               <a:t>Edit Master text styles</a:t>
             </a:r>
           </a:p>
           <a:p>
             <a:pPr lvl="1"/>
             <a:r>
-              <a:rPr lang="en-US" altLang="zh-TW" smtClean="0"/>
+              <a:rPr lang="en-US" altLang="zh-TW"/>
               <a:t>Second level</a:t>
             </a:r>
           </a:p>
           <a:p>
             <a:pPr lvl="2"/>
             <a:r>
-              <a:rPr lang="en-US" altLang="zh-TW" smtClean="0"/>
+              <a:rPr lang="en-US" altLang="zh-TW"/>
               <a:t>Third level</a:t>
             </a:r>
           </a:p>
           <a:p>
             <a:pPr lvl="3"/>
             <a:r>
-              <a:rPr lang="en-US" altLang="zh-TW" smtClean="0"/>
+              <a:rPr lang="en-US" altLang="zh-TW"/>
               <a:t>Fourth level</a:t>
             </a:r>
           </a:p>
           <a:p>
             <a:pPr lvl="4"/>
             <a:r>
-              <a:rPr lang="en-US" altLang="zh-TW" smtClean="0"/>
+              <a:rPr lang="en-US" altLang="zh-TW"/>
               <a:t>Fifth level</a:t>
             </a:r>
             <a:endParaRPr lang="zh-TW" altLang="en-US"/>
@@ -1298,35 +1303,35 @@
           <a:p>
             <a:pPr lvl="0"/>
             <a:r>
-              <a:rPr lang="en-US" altLang="zh-TW" smtClean="0"/>
+              <a:rPr lang="en-US" altLang="zh-TW"/>
               <a:t>Edit Master text styles</a:t>
             </a:r>
           </a:p>
           <a:p>
             <a:pPr lvl="1"/>
             <a:r>
-              <a:rPr lang="en-US" altLang="zh-TW" smtClean="0"/>
+              <a:rPr lang="en-US" altLang="zh-TW"/>
               <a:t>Second level</a:t>
             </a:r>
           </a:p>
           <a:p>
             <a:pPr lvl="2"/>
             <a:r>
-              <a:rPr lang="en-US" altLang="zh-TW" smtClean="0"/>
+              <a:rPr lang="en-US" altLang="zh-TW"/>
               <a:t>Third level</a:t>
             </a:r>
           </a:p>
           <a:p>
             <a:pPr lvl="3"/>
             <a:r>
-              <a:rPr lang="en-US" altLang="zh-TW" smtClean="0"/>
+              <a:rPr lang="en-US" altLang="zh-TW"/>
               <a:t>Fourth level</a:t>
             </a:r>
           </a:p>
           <a:p>
             <a:pPr lvl="4"/>
             <a:r>
-              <a:rPr lang="en-US" altLang="zh-TW" smtClean="0"/>
+              <a:rPr lang="en-US" altLang="zh-TW"/>
               <a:t>Fifth level</a:t>
             </a:r>
             <a:endParaRPr lang="zh-TW" altLang="en-US"/>
@@ -1350,7 +1355,7 @@
           <a:p>
             <a:fld id="{7F34E370-1F60-4349-8241-6663164F08B2}" type="datetimeFigureOut">
               <a:rPr lang="vi-VN" smtClean="0"/>
-              <a:t>24/12/2022</a:t>
+              <a:t>25/12/2023</a:t>
             </a:fld>
             <a:endParaRPr lang="vi-VN"/>
           </a:p>
@@ -1448,7 +1453,7 @@
           </a:lstStyle>
           <a:p>
             <a:r>
-              <a:rPr lang="en-US" altLang="zh-TW" smtClean="0"/>
+              <a:rPr lang="en-US" altLang="zh-TW"/>
               <a:t>Click to edit Master title style</a:t>
             </a:r>
             <a:endParaRPr lang="zh-TW" altLang="en-US"/>
@@ -1514,7 +1519,7 @@
           <a:p>
             <a:pPr lvl="0"/>
             <a:r>
-              <a:rPr lang="en-US" altLang="zh-TW" smtClean="0"/>
+              <a:rPr lang="en-US" altLang="zh-TW"/>
               <a:t>Edit Master text styles</a:t>
             </a:r>
           </a:p>
@@ -1570,35 +1575,35 @@
           <a:p>
             <a:pPr lvl="0"/>
             <a:r>
-              <a:rPr lang="en-US" altLang="zh-TW" smtClean="0"/>
+              <a:rPr lang="en-US" altLang="zh-TW"/>
               <a:t>Edit Master text styles</a:t>
             </a:r>
           </a:p>
           <a:p>
             <a:pPr lvl="1"/>
             <a:r>
-              <a:rPr lang="en-US" altLang="zh-TW" smtClean="0"/>
+              <a:rPr lang="en-US" altLang="zh-TW"/>
               <a:t>Second level</a:t>
             </a:r>
           </a:p>
           <a:p>
             <a:pPr lvl="2"/>
             <a:r>
-              <a:rPr lang="en-US" altLang="zh-TW" smtClean="0"/>
+              <a:rPr lang="en-US" altLang="zh-TW"/>
               <a:t>Third level</a:t>
             </a:r>
           </a:p>
           <a:p>
             <a:pPr lvl="3"/>
             <a:r>
-              <a:rPr lang="en-US" altLang="zh-TW" smtClean="0"/>
+              <a:rPr lang="en-US" altLang="zh-TW"/>
               <a:t>Fourth level</a:t>
             </a:r>
           </a:p>
           <a:p>
             <a:pPr lvl="4"/>
             <a:r>
-              <a:rPr lang="en-US" altLang="zh-TW" smtClean="0"/>
+              <a:rPr lang="en-US" altLang="zh-TW"/>
               <a:t>Fifth level</a:t>
             </a:r>
             <a:endParaRPr lang="zh-TW" altLang="en-US"/>
@@ -1664,7 +1669,7 @@
           <a:p>
             <a:pPr lvl="0"/>
             <a:r>
-              <a:rPr lang="en-US" altLang="zh-TW" smtClean="0"/>
+              <a:rPr lang="en-US" altLang="zh-TW"/>
               <a:t>Edit Master text styles</a:t>
             </a:r>
           </a:p>
@@ -1720,35 +1725,35 @@
           <a:p>
             <a:pPr lvl="0"/>
             <a:r>
-              <a:rPr lang="en-US" altLang="zh-TW" smtClean="0"/>
+              <a:rPr lang="en-US" altLang="zh-TW"/>
               <a:t>Edit Master text styles</a:t>
             </a:r>
           </a:p>
           <a:p>
             <a:pPr lvl="1"/>
             <a:r>
-              <a:rPr lang="en-US" altLang="zh-TW" smtClean="0"/>
+              <a:rPr lang="en-US" altLang="zh-TW"/>
               <a:t>Second level</a:t>
             </a:r>
           </a:p>
           <a:p>
             <a:pPr lvl="2"/>
             <a:r>
-              <a:rPr lang="en-US" altLang="zh-TW" smtClean="0"/>
+              <a:rPr lang="en-US" altLang="zh-TW"/>
               <a:t>Third level</a:t>
             </a:r>
           </a:p>
           <a:p>
             <a:pPr lvl="3"/>
             <a:r>
-              <a:rPr lang="en-US" altLang="zh-TW" smtClean="0"/>
+              <a:rPr lang="en-US" altLang="zh-TW"/>
               <a:t>Fourth level</a:t>
             </a:r>
           </a:p>
           <a:p>
             <a:pPr lvl="4"/>
             <a:r>
-              <a:rPr lang="en-US" altLang="zh-TW" smtClean="0"/>
+              <a:rPr lang="en-US" altLang="zh-TW"/>
               <a:t>Fifth level</a:t>
             </a:r>
             <a:endParaRPr lang="zh-TW" altLang="en-US"/>
@@ -1772,7 +1777,7 @@
           <a:p>
             <a:fld id="{7F34E370-1F60-4349-8241-6663164F08B2}" type="datetimeFigureOut">
               <a:rPr lang="vi-VN" smtClean="0"/>
-              <a:t>24/12/2022</a:t>
+              <a:t>25/12/2023</a:t>
             </a:fld>
             <a:endParaRPr lang="vi-VN"/>
           </a:p>
@@ -1866,7 +1871,7 @@
           <a:lstStyle/>
           <a:p>
             <a:r>
-              <a:rPr lang="en-US" altLang="zh-TW" smtClean="0"/>
+              <a:rPr lang="en-US" altLang="zh-TW"/>
               <a:t>Click to edit Master title style</a:t>
             </a:r>
             <a:endParaRPr lang="zh-TW" altLang="en-US"/>
@@ -1890,7 +1895,7 @@
           <a:p>
             <a:fld id="{7F34E370-1F60-4349-8241-6663164F08B2}" type="datetimeFigureOut">
               <a:rPr lang="vi-VN" smtClean="0"/>
-              <a:t>24/12/2022</a:t>
+              <a:t>25/12/2023</a:t>
             </a:fld>
             <a:endParaRPr lang="vi-VN"/>
           </a:p>
@@ -1985,7 +1990,7 @@
           <a:p>
             <a:fld id="{7F34E370-1F60-4349-8241-6663164F08B2}" type="datetimeFigureOut">
               <a:rPr lang="vi-VN" smtClean="0"/>
-              <a:t>24/12/2022</a:t>
+              <a:t>25/12/2023</a:t>
             </a:fld>
             <a:endParaRPr lang="vi-VN"/>
           </a:p>
@@ -2088,7 +2093,7 @@
           </a:lstStyle>
           <a:p>
             <a:r>
-              <a:rPr lang="en-US" altLang="zh-TW" smtClean="0"/>
+              <a:rPr lang="en-US" altLang="zh-TW"/>
               <a:t>Click to edit Master title style</a:t>
             </a:r>
             <a:endParaRPr lang="zh-TW" altLang="en-US"/>
@@ -2145,35 +2150,35 @@
           <a:p>
             <a:pPr lvl="0"/>
             <a:r>
-              <a:rPr lang="en-US" altLang="zh-TW" smtClean="0"/>
+              <a:rPr lang="en-US" altLang="zh-TW"/>
               <a:t>Edit Master text styles</a:t>
             </a:r>
           </a:p>
           <a:p>
             <a:pPr lvl="1"/>
             <a:r>
-              <a:rPr lang="en-US" altLang="zh-TW" smtClean="0"/>
+              <a:rPr lang="en-US" altLang="zh-TW"/>
               <a:t>Second level</a:t>
             </a:r>
           </a:p>
           <a:p>
             <a:pPr lvl="2"/>
             <a:r>
-              <a:rPr lang="en-US" altLang="zh-TW" smtClean="0"/>
+              <a:rPr lang="en-US" altLang="zh-TW"/>
               <a:t>Third level</a:t>
             </a:r>
           </a:p>
           <a:p>
             <a:pPr lvl="3"/>
             <a:r>
-              <a:rPr lang="en-US" altLang="zh-TW" smtClean="0"/>
+              <a:rPr lang="en-US" altLang="zh-TW"/>
               <a:t>Fourth level</a:t>
             </a:r>
           </a:p>
           <a:p>
             <a:pPr lvl="4"/>
             <a:r>
-              <a:rPr lang="en-US" altLang="zh-TW" smtClean="0"/>
+              <a:rPr lang="en-US" altLang="zh-TW"/>
               <a:t>Fifth level</a:t>
             </a:r>
             <a:endParaRPr lang="zh-TW" altLang="en-US"/>
@@ -2239,7 +2244,7 @@
           <a:p>
             <a:pPr lvl="0"/>
             <a:r>
-              <a:rPr lang="en-US" altLang="zh-TW" smtClean="0"/>
+              <a:rPr lang="en-US" altLang="zh-TW"/>
               <a:t>Edit Master text styles</a:t>
             </a:r>
           </a:p>
@@ -2262,7 +2267,7 @@
           <a:p>
             <a:fld id="{7F34E370-1F60-4349-8241-6663164F08B2}" type="datetimeFigureOut">
               <a:rPr lang="vi-VN" smtClean="0"/>
-              <a:t>24/12/2022</a:t>
+              <a:t>25/12/2023</a:t>
             </a:fld>
             <a:endParaRPr lang="vi-VN"/>
           </a:p>
@@ -2365,7 +2370,7 @@
           </a:lstStyle>
           <a:p>
             <a:r>
-              <a:rPr lang="en-US" altLang="zh-TW" smtClean="0"/>
+              <a:rPr lang="en-US" altLang="zh-TW"/>
               <a:t>Click to edit Master title style</a:t>
             </a:r>
             <a:endParaRPr lang="zh-TW" altLang="en-US"/>
@@ -2430,7 +2435,7 @@
           </a:lstStyle>
           <a:p>
             <a:r>
-              <a:rPr lang="en-US" altLang="zh-TW" smtClean="0"/>
+              <a:rPr lang="en-US" altLang="zh-TW"/>
               <a:t>Click icon to add picture</a:t>
             </a:r>
             <a:endParaRPr lang="zh-TW" altLang="en-US"/>
@@ -2496,7 +2501,7 @@
           <a:p>
             <a:pPr lvl="0"/>
             <a:r>
-              <a:rPr lang="en-US" altLang="zh-TW" smtClean="0"/>
+              <a:rPr lang="en-US" altLang="zh-TW"/>
               <a:t>Edit Master text styles</a:t>
             </a:r>
           </a:p>
@@ -2519,7 +2524,7 @@
           <a:p>
             <a:fld id="{7F34E370-1F60-4349-8241-6663164F08B2}" type="datetimeFigureOut">
               <a:rPr lang="vi-VN" smtClean="0"/>
-              <a:t>24/12/2022</a:t>
+              <a:t>25/12/2023</a:t>
             </a:fld>
             <a:endParaRPr lang="vi-VN"/>
           </a:p>
@@ -2633,10 +2638,9 @@
           <a:lstStyle/>
           <a:p>
             <a:r>
-              <a:rPr lang="zh-TW" altLang="en-US" smtClean="0"/>
+              <a:rPr lang="zh-TW" altLang="en-US"/>
               <a:t>按一下以編輯母片標題樣式</a:t>
             </a:r>
-            <a:endParaRPr lang="zh-TW" altLang="en-US"/>
           </a:p>
         </p:txBody>
       </p:sp>
@@ -2667,38 +2671,37 @@
           <a:p>
             <a:pPr lvl="0"/>
             <a:r>
-              <a:rPr lang="zh-TW" altLang="en-US" smtClean="0"/>
+              <a:rPr lang="zh-TW" altLang="en-US"/>
               <a:t>按一下以編輯母片文字樣式</a:t>
             </a:r>
           </a:p>
           <a:p>
             <a:pPr lvl="1"/>
             <a:r>
-              <a:rPr lang="zh-TW" altLang="en-US" smtClean="0"/>
+              <a:rPr lang="zh-TW" altLang="en-US"/>
               <a:t>第二層</a:t>
             </a:r>
           </a:p>
           <a:p>
             <a:pPr lvl="2"/>
             <a:r>
-              <a:rPr lang="zh-TW" altLang="en-US" smtClean="0"/>
+              <a:rPr lang="zh-TW" altLang="en-US"/>
               <a:t>第三層</a:t>
             </a:r>
           </a:p>
           <a:p>
             <a:pPr lvl="3"/>
             <a:r>
-              <a:rPr lang="zh-TW" altLang="en-US" smtClean="0"/>
+              <a:rPr lang="zh-TW" altLang="en-US"/>
               <a:t>第四層</a:t>
             </a:r>
           </a:p>
           <a:p>
             <a:pPr lvl="4"/>
             <a:r>
-              <a:rPr lang="zh-TW" altLang="en-US" smtClean="0"/>
+              <a:rPr lang="zh-TW" altLang="en-US"/>
               <a:t>第五層</a:t>
             </a:r>
-            <a:endParaRPr lang="zh-TW" altLang="en-US"/>
           </a:p>
         </p:txBody>
       </p:sp>
@@ -2737,7 +2740,7 @@
           <a:p>
             <a:fld id="{7F34E370-1F60-4349-8241-6663164F08B2}" type="datetimeFigureOut">
               <a:rPr lang="vi-VN" smtClean="0"/>
-              <a:t>24/12/2022</a:t>
+              <a:t>25/12/2023</a:t>
             </a:fld>
             <a:endParaRPr lang="vi-VN"/>
           </a:p>
@@ -3151,7 +3154,7 @@
           </a:lstStyle>
           <a:p>
             <a:r>
-              <a:rPr lang="zh-TW" altLang="en-US" sz="7200" b="1" i="1" dirty="0" smtClean="0">
+              <a:rPr lang="zh-TW" altLang="en-US" sz="7200" b="1" i="1" dirty="0">
                 <a:solidFill>
                   <a:srgbClr val="000066"/>
                 </a:solidFill>
@@ -3165,39 +3168,8 @@
                 <a:latin typeface="微軟正黑體" pitchFamily="34" charset="-120"/>
                 <a:ea typeface="微軟正黑體" pitchFamily="34" charset="-120"/>
               </a:rPr>
-              <a:t>我</a:t>
-            </a:r>
-            <a:r>
-              <a:rPr lang="zh-TW" altLang="en-US" sz="7200" b="1" i="1" dirty="0">
-                <a:solidFill>
-                  <a:srgbClr val="000066"/>
-                </a:solidFill>
-                <a:effectLst>
-                  <a:outerShdw blurRad="38100" dist="38100" dir="2700000" algn="tl">
-                    <a:srgbClr val="000000">
-                      <a:alpha val="43137"/>
-                    </a:srgbClr>
-                  </a:outerShdw>
-                </a:effectLst>
-                <a:latin typeface="微軟正黑體" pitchFamily="34" charset="-120"/>
-                <a:ea typeface="微軟正黑體" pitchFamily="34" charset="-120"/>
-              </a:rPr>
-              <a:t>要唱快樂頌</a:t>
-            </a:r>
-            <a:endParaRPr lang="zh-TW" altLang="en-US" sz="7200" b="1" i="1" dirty="0">
-              <a:solidFill>
-                <a:srgbClr val="000066"/>
-              </a:solidFill>
-              <a:effectLst>
-                <a:outerShdw blurRad="38100" dist="38100" dir="2700000" algn="tl">
-                  <a:srgbClr val="000000">
-                    <a:alpha val="43137"/>
-                  </a:srgbClr>
-                </a:outerShdw>
-              </a:effectLst>
-              <a:latin typeface="微軟正黑體" pitchFamily="34" charset="-120"/>
-              <a:ea typeface="微軟正黑體" pitchFamily="34" charset="-120"/>
-            </a:endParaRPr>
+              <a:t>我要唱快樂頌</a:t>
+            </a:r>
           </a:p>
         </p:txBody>
       </p:sp>
@@ -3331,44 +3303,14 @@
               <a:buNone/>
             </a:pPr>
             <a:r>
-              <a:rPr lang="zh-TW" altLang="en-US" sz="6400" b="1" dirty="0" smtClean="0">
+              <a:rPr lang="zh-TW" altLang="en-US" sz="6400" b="1" dirty="0">
                 <a:solidFill>
                   <a:srgbClr val="000066"/>
                 </a:solidFill>
                 <a:latin typeface="微軟正黑體" pitchFamily="34" charset="-120"/>
                 <a:ea typeface="微軟正黑體" pitchFamily="34" charset="-120"/>
               </a:rPr>
-              <a:t>神</a:t>
-            </a:r>
-            <a:r>
-              <a:rPr lang="zh-TW" altLang="en-US" sz="6400" b="1" dirty="0">
-                <a:solidFill>
-                  <a:srgbClr val="000066"/>
-                </a:solidFill>
-                <a:latin typeface="微軟正黑體" pitchFamily="34" charset="-120"/>
-                <a:ea typeface="微軟正黑體" pitchFamily="34" charset="-120"/>
-              </a:rPr>
-              <a:t>捨身愛</a:t>
-            </a:r>
-            <a:r>
-              <a:rPr lang="zh-TW" altLang="en-US" sz="6400" b="1" dirty="0" smtClean="0">
-                <a:solidFill>
-                  <a:srgbClr val="000066"/>
-                </a:solidFill>
-                <a:latin typeface="微軟正黑體" pitchFamily="34" charset="-120"/>
-                <a:ea typeface="微軟正黑體" pitchFamily="34" charset="-120"/>
-              </a:rPr>
-              <a:t>人  來</a:t>
-            </a:r>
-            <a:r>
-              <a:rPr lang="zh-TW" altLang="en-US" sz="6400" b="1" dirty="0">
-                <a:solidFill>
-                  <a:srgbClr val="000066"/>
-                </a:solidFill>
-                <a:latin typeface="微軟正黑體" pitchFamily="34" charset="-120"/>
-                <a:ea typeface="微軟正黑體" pitchFamily="34" charset="-120"/>
-              </a:rPr>
-              <a:t>將真愛贈</a:t>
+              <a:t>神捨身愛人  來將真愛贈</a:t>
             </a:r>
             <a:endParaRPr lang="en-US" altLang="zh-CN" sz="6400" b="1" dirty="0">
               <a:solidFill>
@@ -3551,29 +3493,7 @@
                 <a:ea typeface="微軟正黑體" pitchFamily="34" charset="-120"/>
                 <a:cs typeface="Calibri" panose="020F0502020204030204" pitchFamily="34" charset="0"/>
               </a:rPr>
-              <a:t>Mừng ngày chúa sinh ra </a:t>
-            </a:r>
-            <a:r>
-              <a:rPr lang="vi-VN" sz="3600" b="1" dirty="0" smtClean="0">
-                <a:solidFill>
-                  <a:srgbClr val="660033"/>
-                </a:solidFill>
-                <a:latin typeface="Calibri" panose="020F0502020204030204" pitchFamily="34" charset="0"/>
-                <a:ea typeface="微軟正黑體" pitchFamily="34" charset="-120"/>
-                <a:cs typeface="Calibri" panose="020F0502020204030204" pitchFamily="34" charset="0"/>
-              </a:rPr>
-              <a:t>đời, nào </a:t>
-            </a:r>
-            <a:r>
-              <a:rPr lang="vi-VN" sz="3600" b="1" dirty="0">
-                <a:solidFill>
-                  <a:srgbClr val="660033"/>
-                </a:solidFill>
-                <a:latin typeface="Calibri" panose="020F0502020204030204" pitchFamily="34" charset="0"/>
-                <a:ea typeface="微軟正黑體" pitchFamily="34" charset="-120"/>
-                <a:cs typeface="Calibri" panose="020F0502020204030204" pitchFamily="34" charset="0"/>
-              </a:rPr>
-              <a:t>cùng nắm tay tươi cười</a:t>
+              <a:t>Mừng ngày chúa sinh ra đời, nào cùng nắm tay tươi cười</a:t>
             </a:r>
             <a:endParaRPr lang="en-US" sz="3600" b="1" dirty="0">
               <a:solidFill>
@@ -3595,7 +3515,7 @@
         <p:spPr>
           <a:xfrm>
             <a:off x="0" y="5253203"/>
-            <a:ext cx="12192000" cy="707886"/>
+            <a:ext cx="12192000" cy="646331"/>
           </a:xfrm>
           <a:prstGeom prst="rect">
             <a:avLst/>
@@ -3610,7 +3530,7 @@
           <a:p>
             <a:pPr algn="ctr"/>
             <a:r>
-              <a:rPr lang="en-US" sz="4000" b="1" dirty="0">
+              <a:rPr lang="en-US" sz="3600" b="1" dirty="0">
                 <a:solidFill>
                   <a:srgbClr val="000066"/>
                 </a:solidFill>
@@ -3621,7 +3541,7 @@
               <a:t>( </a:t>
             </a:r>
             <a:r>
-              <a:rPr lang="zh-CN" altLang="en-US" sz="4000" b="1" dirty="0" smtClean="0">
+              <a:rPr lang="zh-CN" altLang="en-US" sz="3600" b="1" dirty="0">
                 <a:solidFill>
                   <a:srgbClr val="000066"/>
                 </a:solidFill>
@@ -3629,10 +3549,10 @@
                 <a:latin typeface="Microsoft JhengHei" panose="020B0604030504040204" pitchFamily="34" charset="-120"/>
                 <a:ea typeface="Microsoft JhengHei" panose="020B0604030504040204" pitchFamily="34" charset="-120"/>
               </a:rPr>
-              <a:t>正</a:t>
-            </a:r>
-            <a:r>
-              <a:rPr lang="en-US" sz="4000" b="1" dirty="0" smtClean="0">
+              <a:t>正歌</a:t>
+            </a:r>
+            <a:r>
+              <a:rPr lang="en-US" sz="3600" b="1" dirty="0">
                 <a:solidFill>
                   <a:srgbClr val="000066"/>
                 </a:solidFill>
@@ -3640,20 +3560,9 @@
                 <a:latin typeface="Microsoft JhengHei" panose="020B0604030504040204" pitchFamily="34" charset="-120"/>
                 <a:ea typeface="Microsoft JhengHei" panose="020B0604030504040204" pitchFamily="34" charset="-120"/>
               </a:rPr>
-              <a:t> </a:t>
-            </a:r>
-            <a:r>
-              <a:rPr lang="en-US" sz="4000" b="1" dirty="0">
-                <a:solidFill>
-                  <a:srgbClr val="000066"/>
-                </a:solidFill>
-                <a:effectLst/>
-                <a:latin typeface="Microsoft JhengHei" panose="020B0604030504040204" pitchFamily="34" charset="-120"/>
-                <a:ea typeface="Microsoft JhengHei" panose="020B0604030504040204" pitchFamily="34" charset="-120"/>
-              </a:rPr>
-              <a:t>)</a:t>
-            </a:r>
-            <a:endParaRPr lang="vi-VN" sz="4000" b="1" dirty="0">
+              <a:t> )</a:t>
+            </a:r>
+            <a:endParaRPr lang="vi-VN" sz="3600" b="1" dirty="0">
               <a:solidFill>
                 <a:srgbClr val="000066"/>
               </a:solidFill>
@@ -3726,27 +3635,7 @@
                 <a:latin typeface="微軟正黑體" pitchFamily="34" charset="-120"/>
                 <a:ea typeface="微軟正黑體" pitchFamily="34" charset="-120"/>
               </a:rPr>
-              <a:t>耶穌甘替</a:t>
-            </a:r>
-            <a:r>
-              <a:rPr lang="zh-TW" altLang="en-US" sz="6400" b="1" dirty="0" smtClean="0">
-                <a:solidFill>
-                  <a:srgbClr val="000066"/>
-                </a:solidFill>
-                <a:latin typeface="微軟正黑體" pitchFamily="34" charset="-120"/>
-                <a:ea typeface="微軟正黑體" pitchFamily="34" charset="-120"/>
-              </a:rPr>
-              <a:t>罪  改</a:t>
-            </a:r>
-            <a:r>
-              <a:rPr lang="zh-TW" altLang="en-US" sz="6400" b="1" dirty="0">
-                <a:solidFill>
-                  <a:srgbClr val="000066"/>
-                </a:solidFill>
-                <a:latin typeface="微軟正黑體" pitchFamily="34" charset="-120"/>
-                <a:ea typeface="微軟正黑體" pitchFamily="34" charset="-120"/>
-              </a:rPr>
-              <a:t>寫死與生</a:t>
+              <a:t>耶穌甘替罪  改寫死與生</a:t>
             </a:r>
             <a:endParaRPr lang="en-US" altLang="zh-CN" sz="6400" b="1" dirty="0">
               <a:solidFill>
@@ -3929,29 +3818,7 @@
                 <a:ea typeface="微軟正黑體" pitchFamily="34" charset="-120"/>
                 <a:cs typeface="Calibri" panose="020F0502020204030204" pitchFamily="34" charset="0"/>
               </a:rPr>
-              <a:t>Hoà bình đến cho muôn </a:t>
-            </a:r>
-            <a:r>
-              <a:rPr lang="vi-VN" sz="3600" b="1" dirty="0" smtClean="0">
-                <a:solidFill>
-                  <a:srgbClr val="660033"/>
-                </a:solidFill>
-                <a:latin typeface="Calibri" panose="020F0502020204030204" pitchFamily="34" charset="0"/>
-                <a:ea typeface="微軟正黑體" pitchFamily="34" charset="-120"/>
-                <a:cs typeface="Calibri" panose="020F0502020204030204" pitchFamily="34" charset="0"/>
-              </a:rPr>
-              <a:t>người, cùng </a:t>
-            </a:r>
-            <a:r>
-              <a:rPr lang="vi-VN" sz="3600" b="1" dirty="0">
-                <a:solidFill>
-                  <a:srgbClr val="660033"/>
-                </a:solidFill>
-                <a:latin typeface="Calibri" panose="020F0502020204030204" pitchFamily="34" charset="0"/>
-                <a:ea typeface="微軟正黑體" pitchFamily="34" charset="-120"/>
-                <a:cs typeface="Calibri" panose="020F0502020204030204" pitchFamily="34" charset="0"/>
-              </a:rPr>
-              <a:t>cất tiếng ca mừng vui</a:t>
+              <a:t>Hoà bình đến cho muôn người, cùng cất tiếng ca mừng vui</a:t>
             </a:r>
             <a:endParaRPr lang="en-US" sz="3600" b="1" dirty="0">
               <a:solidFill>
@@ -3973,7 +3840,7 @@
         <p:spPr>
           <a:xfrm>
             <a:off x="0" y="5253203"/>
-            <a:ext cx="12192000" cy="707886"/>
+            <a:ext cx="12192000" cy="646331"/>
           </a:xfrm>
           <a:prstGeom prst="rect">
             <a:avLst/>
@@ -3988,54 +3855,39 @@
           <a:p>
             <a:pPr algn="ctr"/>
             <a:r>
-              <a:rPr lang="en-US" sz="4000" b="1" dirty="0">
+              <a:rPr lang="en-US" sz="3600" b="1" dirty="0">
                 <a:solidFill>
                   <a:srgbClr val="000066"/>
                 </a:solidFill>
-                <a:effectLst/>
                 <a:latin typeface="Microsoft JhengHei" panose="020B0604030504040204" pitchFamily="34" charset="-120"/>
                 <a:ea typeface="Microsoft JhengHei" panose="020B0604030504040204" pitchFamily="34" charset="-120"/>
               </a:rPr>
               <a:t>( </a:t>
             </a:r>
             <a:r>
-              <a:rPr lang="zh-CN" altLang="en-US" sz="4000" b="1" dirty="0" smtClean="0">
+              <a:rPr lang="zh-CN" altLang="en-US" sz="3600" b="1" dirty="0">
                 <a:solidFill>
                   <a:srgbClr val="000066"/>
                 </a:solidFill>
-                <a:effectLst/>
                 <a:latin typeface="Microsoft JhengHei" panose="020B0604030504040204" pitchFamily="34" charset="-120"/>
                 <a:ea typeface="Microsoft JhengHei" panose="020B0604030504040204" pitchFamily="34" charset="-120"/>
               </a:rPr>
-              <a:t>正</a:t>
-            </a:r>
-            <a:r>
-              <a:rPr lang="en-US" sz="4000" b="1" dirty="0" smtClean="0">
+              <a:t>正歌</a:t>
+            </a:r>
+            <a:r>
+              <a:rPr lang="en-US" sz="3600" b="1" dirty="0">
                 <a:solidFill>
                   <a:srgbClr val="000066"/>
                 </a:solidFill>
-                <a:effectLst/>
                 <a:latin typeface="Microsoft JhengHei" panose="020B0604030504040204" pitchFamily="34" charset="-120"/>
                 <a:ea typeface="Microsoft JhengHei" panose="020B0604030504040204" pitchFamily="34" charset="-120"/>
               </a:rPr>
-              <a:t> </a:t>
-            </a:r>
-            <a:r>
-              <a:rPr lang="en-US" sz="4000" b="1" dirty="0">
-                <a:solidFill>
-                  <a:srgbClr val="000066"/>
-                </a:solidFill>
-                <a:effectLst/>
-                <a:latin typeface="Microsoft JhengHei" panose="020B0604030504040204" pitchFamily="34" charset="-120"/>
-                <a:ea typeface="Microsoft JhengHei" panose="020B0604030504040204" pitchFamily="34" charset="-120"/>
-              </a:rPr>
-              <a:t>)</a:t>
-            </a:r>
-            <a:endParaRPr lang="vi-VN" sz="4000" b="1" dirty="0">
+              <a:t> )</a:t>
+            </a:r>
+            <a:endParaRPr lang="vi-VN" sz="3600" b="1" dirty="0">
               <a:solidFill>
                 <a:srgbClr val="000066"/>
               </a:solidFill>
-              <a:effectLst/>
               <a:ea typeface="Microsoft JhengHei" panose="020B0604030504040204" pitchFamily="34" charset="-120"/>
             </a:endParaRPr>
           </a:p>
@@ -4104,27 +3956,7 @@
                 <a:latin typeface="微軟正黑體" pitchFamily="34" charset="-120"/>
                 <a:ea typeface="微軟正黑體" pitchFamily="34" charset="-120"/>
               </a:rPr>
-              <a:t>神加添世</a:t>
-            </a:r>
-            <a:r>
-              <a:rPr lang="zh-TW" altLang="en-US" sz="6400" b="1" dirty="0" smtClean="0">
-                <a:solidFill>
-                  <a:srgbClr val="000066"/>
-                </a:solidFill>
-                <a:latin typeface="微軟正黑體" pitchFamily="34" charset="-120"/>
-                <a:ea typeface="微軟正黑體" pitchFamily="34" charset="-120"/>
-              </a:rPr>
-              <a:t>人  平</a:t>
-            </a:r>
-            <a:r>
-              <a:rPr lang="zh-TW" altLang="en-US" sz="6400" b="1" dirty="0">
-                <a:solidFill>
-                  <a:srgbClr val="000066"/>
-                </a:solidFill>
-                <a:latin typeface="微軟正黑體" pitchFamily="34" charset="-120"/>
-                <a:ea typeface="微軟正黑體" pitchFamily="34" charset="-120"/>
-              </a:rPr>
-              <a:t>安加喜樂</a:t>
+              <a:t>神加添世人  平安加喜樂</a:t>
             </a:r>
             <a:endParaRPr lang="en-US" altLang="zh-CN" sz="6400" b="1" dirty="0">
               <a:solidFill>
@@ -4307,29 +4139,7 @@
                 <a:ea typeface="微軟正黑體" pitchFamily="34" charset="-120"/>
                 <a:cs typeface="Calibri" panose="020F0502020204030204" pitchFamily="34" charset="0"/>
               </a:rPr>
-              <a:t>Mừng ngày giáng sinh an </a:t>
-            </a:r>
-            <a:r>
-              <a:rPr lang="vi-VN" sz="3600" b="1" dirty="0" smtClean="0">
-                <a:solidFill>
-                  <a:srgbClr val="660033"/>
-                </a:solidFill>
-                <a:latin typeface="Calibri" panose="020F0502020204030204" pitchFamily="34" charset="0"/>
-                <a:ea typeface="微軟正黑體" pitchFamily="34" charset="-120"/>
-                <a:cs typeface="Calibri" panose="020F0502020204030204" pitchFamily="34" charset="0"/>
-              </a:rPr>
-              <a:t>hoà, mừng </a:t>
-            </a:r>
-            <a:r>
-              <a:rPr lang="vi-VN" sz="3600" b="1" dirty="0">
-                <a:solidFill>
-                  <a:srgbClr val="660033"/>
-                </a:solidFill>
-                <a:latin typeface="Calibri" panose="020F0502020204030204" pitchFamily="34" charset="0"/>
-                <a:ea typeface="微軟正黑體" pitchFamily="34" charset="-120"/>
-                <a:cs typeface="Calibri" panose="020F0502020204030204" pitchFamily="34" charset="0"/>
-              </a:rPr>
-              <a:t>hạnh phúc cho muôn nhà</a:t>
+              <a:t>Mừng ngày giáng sinh an hoà, mừng hạnh phúc cho muôn nhà</a:t>
             </a:r>
             <a:endParaRPr lang="en-US" sz="3600" b="1" dirty="0">
               <a:solidFill>
@@ -4351,7 +4161,7 @@
         <p:spPr>
           <a:xfrm>
             <a:off x="0" y="5253203"/>
-            <a:ext cx="12192000" cy="707886"/>
+            <a:ext cx="12192000" cy="646331"/>
           </a:xfrm>
           <a:prstGeom prst="rect">
             <a:avLst/>
@@ -4366,54 +4176,39 @@
           <a:p>
             <a:pPr algn="ctr"/>
             <a:r>
-              <a:rPr lang="en-US" sz="4000" b="1" dirty="0">
+              <a:rPr lang="en-US" sz="3600" b="1" dirty="0">
                 <a:solidFill>
                   <a:srgbClr val="000066"/>
                 </a:solidFill>
-                <a:effectLst/>
                 <a:latin typeface="Microsoft JhengHei" panose="020B0604030504040204" pitchFamily="34" charset="-120"/>
                 <a:ea typeface="Microsoft JhengHei" panose="020B0604030504040204" pitchFamily="34" charset="-120"/>
               </a:rPr>
               <a:t>( </a:t>
             </a:r>
             <a:r>
-              <a:rPr lang="zh-CN" altLang="en-US" sz="4000" b="1" dirty="0" smtClean="0">
+              <a:rPr lang="zh-CN" altLang="en-US" sz="3600" b="1" dirty="0">
                 <a:solidFill>
                   <a:srgbClr val="000066"/>
                 </a:solidFill>
-                <a:effectLst/>
                 <a:latin typeface="Microsoft JhengHei" panose="020B0604030504040204" pitchFamily="34" charset="-120"/>
                 <a:ea typeface="Microsoft JhengHei" panose="020B0604030504040204" pitchFamily="34" charset="-120"/>
               </a:rPr>
-              <a:t>正</a:t>
-            </a:r>
-            <a:r>
-              <a:rPr lang="en-US" sz="4000" b="1" dirty="0" smtClean="0">
+              <a:t>正歌</a:t>
+            </a:r>
+            <a:r>
+              <a:rPr lang="en-US" sz="3600" b="1" dirty="0">
                 <a:solidFill>
                   <a:srgbClr val="000066"/>
                 </a:solidFill>
-                <a:effectLst/>
                 <a:latin typeface="Microsoft JhengHei" panose="020B0604030504040204" pitchFamily="34" charset="-120"/>
                 <a:ea typeface="Microsoft JhengHei" panose="020B0604030504040204" pitchFamily="34" charset="-120"/>
               </a:rPr>
-              <a:t> </a:t>
-            </a:r>
-            <a:r>
-              <a:rPr lang="en-US" sz="4000" b="1" dirty="0">
-                <a:solidFill>
-                  <a:srgbClr val="000066"/>
-                </a:solidFill>
-                <a:effectLst/>
-                <a:latin typeface="Microsoft JhengHei" panose="020B0604030504040204" pitchFamily="34" charset="-120"/>
-                <a:ea typeface="Microsoft JhengHei" panose="020B0604030504040204" pitchFamily="34" charset="-120"/>
-              </a:rPr>
-              <a:t>)</a:t>
-            </a:r>
-            <a:endParaRPr lang="vi-VN" sz="4000" b="1" dirty="0">
+              <a:t> )</a:t>
+            </a:r>
+            <a:endParaRPr lang="vi-VN" sz="3600" b="1" dirty="0">
               <a:solidFill>
                 <a:srgbClr val="000066"/>
               </a:solidFill>
-              <a:effectLst/>
               <a:ea typeface="Microsoft JhengHei" panose="020B0604030504040204" pitchFamily="34" charset="-120"/>
             </a:endParaRPr>
           </a:p>
@@ -4482,20 +4277,10 @@
                 <a:latin typeface="微軟正黑體" pitchFamily="34" charset="-120"/>
                 <a:ea typeface="微軟正黑體" pitchFamily="34" charset="-120"/>
               </a:rPr>
-              <a:t>離開黑暗無有</a:t>
-            </a:r>
-            <a:r>
-              <a:rPr lang="zh-TW" altLang="en-US" sz="6400" b="1" dirty="0" smtClean="0">
-                <a:solidFill>
-                  <a:srgbClr val="000066"/>
-                </a:solidFill>
-                <a:latin typeface="微軟正黑體" pitchFamily="34" charset="-120"/>
-                <a:ea typeface="微軟正黑體" pitchFamily="34" charset="-120"/>
-              </a:rPr>
-              <a:t>怕</a:t>
-            </a:r>
-            <a:r>
-              <a:rPr lang="vi-VN" altLang="zh-TW" sz="6400" b="1" dirty="0" smtClean="0">
+              <a:t>離開黑暗無有怕</a:t>
+            </a:r>
+            <a:r>
+              <a:rPr lang="vi-VN" altLang="zh-TW" sz="6400" b="1" dirty="0">
                 <a:solidFill>
                   <a:srgbClr val="000066"/>
                 </a:solidFill>
@@ -4505,24 +4290,14 @@
               <a:t>  </a:t>
             </a:r>
             <a:r>
-              <a:rPr lang="zh-TW" altLang="en-US" sz="6400" b="1" dirty="0" smtClean="0">
+              <a:rPr lang="zh-TW" altLang="en-US" sz="6400" b="1" dirty="0">
                 <a:solidFill>
                   <a:srgbClr val="000066"/>
                 </a:solidFill>
                 <a:latin typeface="微軟正黑體" pitchFamily="34" charset="-120"/>
                 <a:ea typeface="微軟正黑體" pitchFamily="34" charset="-120"/>
               </a:rPr>
-              <a:t>變</a:t>
-            </a:r>
-            <a:r>
-              <a:rPr lang="zh-TW" altLang="en-US" sz="6400" b="1" dirty="0">
-                <a:solidFill>
-                  <a:srgbClr val="000066"/>
-                </a:solidFill>
-                <a:latin typeface="微軟正黑體" pitchFamily="34" charset="-120"/>
-                <a:ea typeface="微軟正黑體" pitchFamily="34" charset="-120"/>
-              </a:rPr>
-              <a:t>輕鬆快樂人</a:t>
+              <a:t>變輕鬆快樂人</a:t>
             </a:r>
             <a:endParaRPr lang="en-US" altLang="zh-CN" sz="6400" b="1" dirty="0">
               <a:solidFill>
@@ -4705,29 +4480,7 @@
                 <a:ea typeface="微軟正黑體" pitchFamily="34" charset="-120"/>
                 <a:cs typeface="Calibri" panose="020F0502020204030204" pitchFamily="34" charset="0"/>
               </a:rPr>
-              <a:t>Từ thành phố hay đồng </a:t>
-            </a:r>
-            <a:r>
-              <a:rPr lang="vi-VN" sz="3300" b="1" dirty="0" smtClean="0">
-                <a:solidFill>
-                  <a:srgbClr val="660033"/>
-                </a:solidFill>
-                <a:latin typeface="Calibri" panose="020F0502020204030204" pitchFamily="34" charset="0"/>
-                <a:ea typeface="微軟正黑體" pitchFamily="34" charset="-120"/>
-                <a:cs typeface="Calibri" panose="020F0502020204030204" pitchFamily="34" charset="0"/>
-              </a:rPr>
-              <a:t>quê, muôn </a:t>
-            </a:r>
-            <a:r>
-              <a:rPr lang="vi-VN" sz="3300" b="1" dirty="0">
-                <a:solidFill>
-                  <a:srgbClr val="660033"/>
-                </a:solidFill>
-                <a:latin typeface="Calibri" panose="020F0502020204030204" pitchFamily="34" charset="0"/>
-                <a:ea typeface="微軟正黑體" pitchFamily="34" charset="-120"/>
-                <a:cs typeface="Calibri" panose="020F0502020204030204" pitchFamily="34" charset="0"/>
-              </a:rPr>
-              <a:t>nơi vang tiếng hát ca vang lừng</a:t>
+              <a:t>Từ thành phố hay đồng quê, muôn nơi vang tiếng hát ca vang lừng</a:t>
             </a:r>
             <a:endParaRPr lang="en-US" sz="3300" b="1" dirty="0">
               <a:solidFill>
@@ -4749,7 +4502,7 @@
         <p:spPr>
           <a:xfrm>
             <a:off x="0" y="5253203"/>
-            <a:ext cx="12192000" cy="707886"/>
+            <a:ext cx="12192000" cy="646331"/>
           </a:xfrm>
           <a:prstGeom prst="rect">
             <a:avLst/>
@@ -4764,54 +4517,39 @@
           <a:p>
             <a:pPr algn="ctr"/>
             <a:r>
-              <a:rPr lang="en-US" sz="4000" b="1" dirty="0">
+              <a:rPr lang="en-US" sz="3600" b="1" dirty="0">
                 <a:solidFill>
                   <a:srgbClr val="000066"/>
                 </a:solidFill>
-                <a:effectLst/>
                 <a:latin typeface="Microsoft JhengHei" panose="020B0604030504040204" pitchFamily="34" charset="-120"/>
                 <a:ea typeface="Microsoft JhengHei" panose="020B0604030504040204" pitchFamily="34" charset="-120"/>
               </a:rPr>
               <a:t>( </a:t>
             </a:r>
             <a:r>
-              <a:rPr lang="zh-CN" altLang="en-US" sz="4000" b="1" dirty="0" smtClean="0">
+              <a:rPr lang="zh-CN" altLang="en-US" sz="3600" b="1" dirty="0">
                 <a:solidFill>
                   <a:srgbClr val="000066"/>
                 </a:solidFill>
-                <a:effectLst/>
                 <a:latin typeface="Microsoft JhengHei" panose="020B0604030504040204" pitchFamily="34" charset="-120"/>
                 <a:ea typeface="Microsoft JhengHei" panose="020B0604030504040204" pitchFamily="34" charset="-120"/>
               </a:rPr>
-              <a:t>正</a:t>
-            </a:r>
-            <a:r>
-              <a:rPr lang="en-US" sz="4000" b="1" dirty="0" smtClean="0">
+              <a:t>正歌</a:t>
+            </a:r>
+            <a:r>
+              <a:rPr lang="en-US" sz="3600" b="1" dirty="0">
                 <a:solidFill>
                   <a:srgbClr val="000066"/>
                 </a:solidFill>
-                <a:effectLst/>
                 <a:latin typeface="Microsoft JhengHei" panose="020B0604030504040204" pitchFamily="34" charset="-120"/>
                 <a:ea typeface="Microsoft JhengHei" panose="020B0604030504040204" pitchFamily="34" charset="-120"/>
               </a:rPr>
-              <a:t> </a:t>
-            </a:r>
-            <a:r>
-              <a:rPr lang="en-US" sz="4000" b="1" dirty="0">
-                <a:solidFill>
-                  <a:srgbClr val="000066"/>
-                </a:solidFill>
-                <a:effectLst/>
-                <a:latin typeface="Microsoft JhengHei" panose="020B0604030504040204" pitchFamily="34" charset="-120"/>
-                <a:ea typeface="Microsoft JhengHei" panose="020B0604030504040204" pitchFamily="34" charset="-120"/>
-              </a:rPr>
-              <a:t>)</a:t>
-            </a:r>
-            <a:endParaRPr lang="vi-VN" sz="4000" b="1" dirty="0">
+              <a:t> )</a:t>
+            </a:r>
+            <a:endParaRPr lang="vi-VN" sz="3600" b="1" dirty="0">
               <a:solidFill>
                 <a:srgbClr val="000066"/>
               </a:solidFill>
-              <a:effectLst/>
               <a:ea typeface="Microsoft JhengHei" panose="020B0604030504040204" pitchFamily="34" charset="-120"/>
             </a:endParaRPr>
           </a:p>
@@ -4880,47 +4618,7 @@
                 <a:latin typeface="微軟正黑體" pitchFamily="34" charset="-120"/>
                 <a:ea typeface="微軟正黑體" pitchFamily="34" charset="-120"/>
               </a:rPr>
-              <a:t>閃星</a:t>
-            </a:r>
-            <a:r>
-              <a:rPr lang="zh-TW" altLang="en-US" sz="6400" b="1" dirty="0" smtClean="0">
-                <a:solidFill>
-                  <a:srgbClr val="000066"/>
-                </a:solidFill>
-                <a:latin typeface="微軟正黑體" pitchFamily="34" charset="-120"/>
-                <a:ea typeface="微軟正黑體" pitchFamily="34" charset="-120"/>
-              </a:rPr>
-              <a:t>星  閃</a:t>
-            </a:r>
-            <a:r>
-              <a:rPr lang="zh-TW" altLang="en-US" sz="6400" b="1" dirty="0">
-                <a:solidFill>
-                  <a:srgbClr val="000066"/>
-                </a:solidFill>
-                <a:latin typeface="微軟正黑體" pitchFamily="34" charset="-120"/>
-                <a:ea typeface="微軟正黑體" pitchFamily="34" charset="-120"/>
-              </a:rPr>
-              <a:t>星</a:t>
-            </a:r>
-            <a:r>
-              <a:rPr lang="zh-TW" altLang="en-US" sz="6400" b="1" dirty="0" smtClean="0">
-                <a:solidFill>
-                  <a:srgbClr val="000066"/>
-                </a:solidFill>
-                <a:latin typeface="微軟正黑體" pitchFamily="34" charset="-120"/>
-                <a:ea typeface="微軟正黑體" pitchFamily="34" charset="-120"/>
-              </a:rPr>
-              <a:t>星  救</a:t>
-            </a:r>
-            <a:r>
-              <a:rPr lang="zh-TW" altLang="en-US" sz="6400" b="1" dirty="0">
-                <a:solidFill>
-                  <a:srgbClr val="000066"/>
-                </a:solidFill>
-                <a:latin typeface="微軟正黑體" pitchFamily="34" charset="-120"/>
-                <a:ea typeface="微軟正黑體" pitchFamily="34" charset="-120"/>
-              </a:rPr>
-              <a:t>主已降生</a:t>
+              <a:t>閃星星  閃星星  救主已降生</a:t>
             </a:r>
             <a:endParaRPr lang="en-US" altLang="zh-CN" sz="6400" b="1" dirty="0">
               <a:solidFill>
@@ -5103,29 +4801,7 @@
                 <a:ea typeface="微軟正黑體" pitchFamily="34" charset="-120"/>
                 <a:cs typeface="Calibri" panose="020F0502020204030204" pitchFamily="34" charset="0"/>
               </a:rPr>
-              <a:t>Đêm </a:t>
-            </a:r>
-            <a:r>
-              <a:rPr lang="vi-VN" sz="4000" b="1" dirty="0" smtClean="0">
-                <a:solidFill>
-                  <a:srgbClr val="660033"/>
-                </a:solidFill>
-                <a:latin typeface="Calibri" panose="020F0502020204030204" pitchFamily="34" charset="0"/>
-                <a:ea typeface="微軟正黑體" pitchFamily="34" charset="-120"/>
-                <a:cs typeface="Calibri" panose="020F0502020204030204" pitchFamily="34" charset="0"/>
-              </a:rPr>
-              <a:t>Noel, đêm Noel,</a:t>
-            </a:r>
-            <a:r>
-              <a:rPr lang="vi-VN" sz="4000" b="1" dirty="0">
-                <a:solidFill>
-                  <a:srgbClr val="660033"/>
-                </a:solidFill>
-                <a:latin typeface="Calibri" panose="020F0502020204030204" pitchFamily="34" charset="0"/>
-                <a:ea typeface="微軟正黑體" pitchFamily="34" charset="-120"/>
-                <a:cs typeface="Calibri" panose="020F0502020204030204" pitchFamily="34" charset="0"/>
-              </a:rPr>
-              <a:t> ta hãy cùng vui lên</a:t>
+              <a:t>Đêm Noel, đêm Noel, ta hãy cùng vui lên</a:t>
             </a:r>
             <a:endParaRPr lang="en-US" sz="4000" b="1" dirty="0">
               <a:solidFill>
@@ -5147,7 +4823,7 @@
         <p:spPr>
           <a:xfrm>
             <a:off x="0" y="5253203"/>
-            <a:ext cx="12192000" cy="707886"/>
+            <a:ext cx="12192000" cy="646331"/>
           </a:xfrm>
           <a:prstGeom prst="rect">
             <a:avLst/>
@@ -5162,54 +4838,39 @@
           <a:p>
             <a:pPr algn="ctr"/>
             <a:r>
-              <a:rPr lang="en-US" sz="4000" b="1" dirty="0">
+              <a:rPr lang="en-US" sz="3600" b="1" dirty="0">
                 <a:solidFill>
                   <a:srgbClr val="000066"/>
                 </a:solidFill>
-                <a:effectLst/>
                 <a:latin typeface="Microsoft JhengHei" panose="020B0604030504040204" pitchFamily="34" charset="-120"/>
                 <a:ea typeface="Microsoft JhengHei" panose="020B0604030504040204" pitchFamily="34" charset="-120"/>
               </a:rPr>
               <a:t>( </a:t>
             </a:r>
             <a:r>
-              <a:rPr lang="zh-CN" altLang="en-US" sz="4000" b="1" dirty="0" smtClean="0">
+              <a:rPr lang="zh-CN" altLang="en-US" sz="3600" b="1" dirty="0">
                 <a:solidFill>
                   <a:srgbClr val="000066"/>
                 </a:solidFill>
-                <a:effectLst/>
                 <a:latin typeface="Microsoft JhengHei" panose="020B0604030504040204" pitchFamily="34" charset="-120"/>
                 <a:ea typeface="Microsoft JhengHei" panose="020B0604030504040204" pitchFamily="34" charset="-120"/>
               </a:rPr>
-              <a:t>副</a:t>
-            </a:r>
-            <a:r>
-              <a:rPr lang="en-US" sz="4000" b="1" dirty="0" smtClean="0">
+              <a:t>副歌</a:t>
+            </a:r>
+            <a:r>
+              <a:rPr lang="en-US" sz="3600" b="1" dirty="0">
                 <a:solidFill>
                   <a:srgbClr val="000066"/>
                 </a:solidFill>
-                <a:effectLst/>
                 <a:latin typeface="Microsoft JhengHei" panose="020B0604030504040204" pitchFamily="34" charset="-120"/>
                 <a:ea typeface="Microsoft JhengHei" panose="020B0604030504040204" pitchFamily="34" charset="-120"/>
               </a:rPr>
-              <a:t> </a:t>
-            </a:r>
-            <a:r>
-              <a:rPr lang="en-US" sz="4000" b="1" dirty="0">
-                <a:solidFill>
-                  <a:srgbClr val="000066"/>
-                </a:solidFill>
-                <a:effectLst/>
-                <a:latin typeface="Microsoft JhengHei" panose="020B0604030504040204" pitchFamily="34" charset="-120"/>
-                <a:ea typeface="Microsoft JhengHei" panose="020B0604030504040204" pitchFamily="34" charset="-120"/>
-              </a:rPr>
-              <a:t>)</a:t>
-            </a:r>
-            <a:endParaRPr lang="vi-VN" sz="4000" b="1" dirty="0">
+              <a:t> )</a:t>
+            </a:r>
+            <a:endParaRPr lang="vi-VN" sz="3600" b="1" dirty="0">
               <a:solidFill>
                 <a:srgbClr val="000066"/>
               </a:solidFill>
-              <a:effectLst/>
               <a:ea typeface="Microsoft JhengHei" panose="020B0604030504040204" pitchFamily="34" charset="-120"/>
             </a:endParaRPr>
           </a:p>
@@ -5278,47 +4939,7 @@
                 <a:latin typeface="微軟正黑體" pitchFamily="34" charset="-120"/>
                 <a:ea typeface="微軟正黑體" pitchFamily="34" charset="-120"/>
               </a:rPr>
-              <a:t>聖誕</a:t>
-            </a:r>
-            <a:r>
-              <a:rPr lang="zh-TW" altLang="en-US" sz="6400" b="1" dirty="0" smtClean="0">
-                <a:solidFill>
-                  <a:srgbClr val="000066"/>
-                </a:solidFill>
-                <a:latin typeface="微軟正黑體" pitchFamily="34" charset="-120"/>
-                <a:ea typeface="微軟正黑體" pitchFamily="34" charset="-120"/>
-              </a:rPr>
-              <a:t>節  多</a:t>
-            </a:r>
-            <a:r>
-              <a:rPr lang="zh-TW" altLang="en-US" sz="6400" b="1" dirty="0">
-                <a:solidFill>
-                  <a:srgbClr val="000066"/>
-                </a:solidFill>
-                <a:latin typeface="微軟正黑體" pitchFamily="34" charset="-120"/>
-                <a:ea typeface="微軟正黑體" pitchFamily="34" charset="-120"/>
-              </a:rPr>
-              <a:t>開</a:t>
-            </a:r>
-            <a:r>
-              <a:rPr lang="zh-TW" altLang="en-US" sz="6400" b="1" dirty="0" smtClean="0">
-                <a:solidFill>
-                  <a:srgbClr val="000066"/>
-                </a:solidFill>
-                <a:latin typeface="微軟正黑體" pitchFamily="34" charset="-120"/>
-                <a:ea typeface="微軟正黑體" pitchFamily="34" charset="-120"/>
-              </a:rPr>
-              <a:t>心  萬</a:t>
-            </a:r>
-            <a:r>
-              <a:rPr lang="zh-TW" altLang="en-US" sz="6400" b="1" dirty="0">
-                <a:solidFill>
-                  <a:srgbClr val="000066"/>
-                </a:solidFill>
-                <a:latin typeface="微軟正黑體" pitchFamily="34" charset="-120"/>
-                <a:ea typeface="微軟正黑體" pitchFamily="34" charset="-120"/>
-              </a:rPr>
-              <a:t>民同頌神恩</a:t>
+              <a:t>聖誕節  多開心  萬民同頌神恩</a:t>
             </a:r>
             <a:endParaRPr lang="en-US" altLang="zh-CN" sz="6400" b="1" dirty="0">
               <a:solidFill>
@@ -5523,7 +5144,7 @@
         <p:spPr>
           <a:xfrm>
             <a:off x="0" y="5253203"/>
-            <a:ext cx="12192000" cy="707886"/>
+            <a:ext cx="12192000" cy="646331"/>
           </a:xfrm>
           <a:prstGeom prst="rect">
             <a:avLst/>
@@ -5538,54 +5159,39 @@
           <a:p>
             <a:pPr algn="ctr"/>
             <a:r>
-              <a:rPr lang="en-US" sz="4000" b="1" dirty="0">
+              <a:rPr lang="en-US" sz="3600" b="1" dirty="0">
                 <a:solidFill>
                   <a:srgbClr val="000066"/>
                 </a:solidFill>
-                <a:effectLst/>
                 <a:latin typeface="Microsoft JhengHei" panose="020B0604030504040204" pitchFamily="34" charset="-120"/>
                 <a:ea typeface="Microsoft JhengHei" panose="020B0604030504040204" pitchFamily="34" charset="-120"/>
               </a:rPr>
               <a:t>( </a:t>
             </a:r>
             <a:r>
-              <a:rPr lang="zh-CN" altLang="en-US" sz="4000" b="1" dirty="0" smtClean="0">
+              <a:rPr lang="zh-CN" altLang="en-US" sz="3600" b="1" dirty="0">
                 <a:solidFill>
                   <a:srgbClr val="000066"/>
                 </a:solidFill>
-                <a:effectLst/>
                 <a:latin typeface="Microsoft JhengHei" panose="020B0604030504040204" pitchFamily="34" charset="-120"/>
                 <a:ea typeface="Microsoft JhengHei" panose="020B0604030504040204" pitchFamily="34" charset="-120"/>
               </a:rPr>
-              <a:t>副</a:t>
-            </a:r>
-            <a:r>
-              <a:rPr lang="en-US" sz="4000" b="1" dirty="0" smtClean="0">
+              <a:t>副歌</a:t>
+            </a:r>
+            <a:r>
+              <a:rPr lang="en-US" sz="3600" b="1" dirty="0">
                 <a:solidFill>
                   <a:srgbClr val="000066"/>
                 </a:solidFill>
-                <a:effectLst/>
                 <a:latin typeface="Microsoft JhengHei" panose="020B0604030504040204" pitchFamily="34" charset="-120"/>
                 <a:ea typeface="Microsoft JhengHei" panose="020B0604030504040204" pitchFamily="34" charset="-120"/>
               </a:rPr>
-              <a:t> </a:t>
-            </a:r>
-            <a:r>
-              <a:rPr lang="en-US" sz="4000" b="1" dirty="0">
-                <a:solidFill>
-                  <a:srgbClr val="000066"/>
-                </a:solidFill>
-                <a:effectLst/>
-                <a:latin typeface="Microsoft JhengHei" panose="020B0604030504040204" pitchFamily="34" charset="-120"/>
-                <a:ea typeface="Microsoft JhengHei" panose="020B0604030504040204" pitchFamily="34" charset="-120"/>
-              </a:rPr>
-              <a:t>)</a:t>
-            </a:r>
-            <a:endParaRPr lang="vi-VN" sz="4000" b="1" dirty="0">
+              <a:t> )</a:t>
+            </a:r>
+            <a:endParaRPr lang="vi-VN" sz="3600" b="1" dirty="0">
               <a:solidFill>
                 <a:srgbClr val="000066"/>
               </a:solidFill>
-              <a:effectLst/>
               <a:ea typeface="Microsoft JhengHei" panose="020B0604030504040204" pitchFamily="34" charset="-120"/>
             </a:endParaRPr>
           </a:p>
@@ -5654,47 +5260,7 @@
                 <a:latin typeface="微軟正黑體" pitchFamily="34" charset="-120"/>
                 <a:ea typeface="微軟正黑體" pitchFamily="34" charset="-120"/>
               </a:rPr>
-              <a:t>好開</a:t>
-            </a:r>
-            <a:r>
-              <a:rPr lang="zh-TW" altLang="en-US" sz="6400" b="1" dirty="0" smtClean="0">
-                <a:solidFill>
-                  <a:srgbClr val="000066"/>
-                </a:solidFill>
-                <a:latin typeface="微軟正黑體" pitchFamily="34" charset="-120"/>
-                <a:ea typeface="微軟正黑體" pitchFamily="34" charset="-120"/>
-              </a:rPr>
-              <a:t>心  真</a:t>
-            </a:r>
-            <a:r>
-              <a:rPr lang="zh-TW" altLang="en-US" sz="6400" b="1" dirty="0">
-                <a:solidFill>
-                  <a:srgbClr val="000066"/>
-                </a:solidFill>
-                <a:latin typeface="微軟正黑體" pitchFamily="34" charset="-120"/>
-                <a:ea typeface="微軟正黑體" pitchFamily="34" charset="-120"/>
-              </a:rPr>
-              <a:t>開</a:t>
-            </a:r>
-            <a:r>
-              <a:rPr lang="zh-TW" altLang="en-US" sz="6400" b="1" dirty="0" smtClean="0">
-                <a:solidFill>
-                  <a:srgbClr val="000066"/>
-                </a:solidFill>
-                <a:latin typeface="微軟正黑體" pitchFamily="34" charset="-120"/>
-                <a:ea typeface="微軟正黑體" pitchFamily="34" charset="-120"/>
-              </a:rPr>
-              <a:t>心  主</a:t>
-            </a:r>
-            <a:r>
-              <a:rPr lang="zh-TW" altLang="en-US" sz="6400" b="1" dirty="0">
-                <a:solidFill>
-                  <a:srgbClr val="000066"/>
-                </a:solidFill>
-                <a:latin typeface="微軟正黑體" pitchFamily="34" charset="-120"/>
-                <a:ea typeface="微軟正黑體" pitchFamily="34" charset="-120"/>
-              </a:rPr>
-              <a:t>恩滿我心</a:t>
+              <a:t>好開心  真開心  主恩滿我心</a:t>
             </a:r>
             <a:endParaRPr lang="en-US" altLang="zh-CN" sz="6400" b="1" dirty="0">
               <a:solidFill>
@@ -5877,29 +5443,7 @@
                 <a:ea typeface="微軟正黑體" pitchFamily="34" charset="-120"/>
                 <a:cs typeface="Calibri" panose="020F0502020204030204" pitchFamily="34" charset="0"/>
               </a:rPr>
-              <a:t>Đêm </a:t>
-            </a:r>
-            <a:r>
-              <a:rPr lang="vi-VN" sz="4000" b="1" dirty="0" smtClean="0">
-                <a:solidFill>
-                  <a:srgbClr val="660033"/>
-                </a:solidFill>
-                <a:latin typeface="Calibri" panose="020F0502020204030204" pitchFamily="34" charset="0"/>
-                <a:ea typeface="微軟正黑體" pitchFamily="34" charset="-120"/>
-                <a:cs typeface="Calibri" panose="020F0502020204030204" pitchFamily="34" charset="0"/>
-              </a:rPr>
-              <a:t>Noel </a:t>
-            </a:r>
-            <a:r>
-              <a:rPr lang="vi-VN" sz="4000" b="1" dirty="0">
-                <a:solidFill>
-                  <a:srgbClr val="660033"/>
-                </a:solidFill>
-                <a:latin typeface="Calibri" panose="020F0502020204030204" pitchFamily="34" charset="0"/>
-                <a:ea typeface="微軟正黑體" pitchFamily="34" charset="-120"/>
-                <a:cs typeface="Calibri" panose="020F0502020204030204" pitchFamily="34" charset="0"/>
-              </a:rPr>
-              <a:t>chuông vang lên chuông giáo đường vang lên</a:t>
+              <a:t>Đêm Noel chuông vang lên chuông giáo đường vang lên</a:t>
             </a:r>
             <a:endParaRPr lang="en-US" sz="4000" b="1" dirty="0">
               <a:solidFill>
@@ -5921,7 +5465,7 @@
         <p:spPr>
           <a:xfrm>
             <a:off x="0" y="5253203"/>
-            <a:ext cx="12192000" cy="707886"/>
+            <a:ext cx="12192000" cy="646331"/>
           </a:xfrm>
           <a:prstGeom prst="rect">
             <a:avLst/>
@@ -5936,54 +5480,39 @@
           <a:p>
             <a:pPr algn="ctr"/>
             <a:r>
-              <a:rPr lang="en-US" sz="4000" b="1" dirty="0">
+              <a:rPr lang="en-US" sz="3600" b="1" dirty="0">
                 <a:solidFill>
                   <a:srgbClr val="000066"/>
                 </a:solidFill>
-                <a:effectLst/>
                 <a:latin typeface="Microsoft JhengHei" panose="020B0604030504040204" pitchFamily="34" charset="-120"/>
                 <a:ea typeface="Microsoft JhengHei" panose="020B0604030504040204" pitchFamily="34" charset="-120"/>
               </a:rPr>
               <a:t>( </a:t>
             </a:r>
             <a:r>
-              <a:rPr lang="zh-CN" altLang="en-US" sz="4000" b="1" dirty="0" smtClean="0">
+              <a:rPr lang="zh-CN" altLang="en-US" sz="3600" b="1" dirty="0">
                 <a:solidFill>
                   <a:srgbClr val="000066"/>
                 </a:solidFill>
-                <a:effectLst/>
                 <a:latin typeface="Microsoft JhengHei" panose="020B0604030504040204" pitchFamily="34" charset="-120"/>
                 <a:ea typeface="Microsoft JhengHei" panose="020B0604030504040204" pitchFamily="34" charset="-120"/>
               </a:rPr>
-              <a:t>副</a:t>
-            </a:r>
-            <a:r>
-              <a:rPr lang="en-US" sz="4000" b="1" dirty="0" smtClean="0">
+              <a:t>副歌</a:t>
+            </a:r>
+            <a:r>
+              <a:rPr lang="en-US" sz="3600" b="1" dirty="0">
                 <a:solidFill>
                   <a:srgbClr val="000066"/>
                 </a:solidFill>
-                <a:effectLst/>
                 <a:latin typeface="Microsoft JhengHei" panose="020B0604030504040204" pitchFamily="34" charset="-120"/>
                 <a:ea typeface="Microsoft JhengHei" panose="020B0604030504040204" pitchFamily="34" charset="-120"/>
               </a:rPr>
-              <a:t> </a:t>
-            </a:r>
-            <a:r>
-              <a:rPr lang="en-US" sz="4000" b="1" dirty="0">
-                <a:solidFill>
-                  <a:srgbClr val="000066"/>
-                </a:solidFill>
-                <a:effectLst/>
-                <a:latin typeface="Microsoft JhengHei" panose="020B0604030504040204" pitchFamily="34" charset="-120"/>
-                <a:ea typeface="Microsoft JhengHei" panose="020B0604030504040204" pitchFamily="34" charset="-120"/>
-              </a:rPr>
-              <a:t>)</a:t>
-            </a:r>
-            <a:endParaRPr lang="vi-VN" sz="4000" b="1" dirty="0">
+              <a:t> )</a:t>
+            </a:r>
+            <a:endParaRPr lang="vi-VN" sz="3600" b="1" dirty="0">
               <a:solidFill>
                 <a:srgbClr val="000066"/>
               </a:solidFill>
-              <a:effectLst/>
               <a:ea typeface="Microsoft JhengHei" panose="020B0604030504040204" pitchFamily="34" charset="-120"/>
             </a:endParaRPr>
           </a:p>
@@ -6052,47 +5581,7 @@
                 <a:latin typeface="微軟正黑體" pitchFamily="34" charset="-120"/>
                 <a:ea typeface="微軟正黑體" pitchFamily="34" charset="-120"/>
               </a:rPr>
-              <a:t>你與</a:t>
-            </a:r>
-            <a:r>
-              <a:rPr lang="zh-TW" altLang="en-US" sz="6400" b="1" dirty="0" smtClean="0">
-                <a:solidFill>
-                  <a:srgbClr val="000066"/>
-                </a:solidFill>
-                <a:latin typeface="微軟正黑體" pitchFamily="34" charset="-120"/>
-                <a:ea typeface="微軟正黑體" pitchFamily="34" charset="-120"/>
-              </a:rPr>
-              <a:t>我  快</a:t>
-            </a:r>
-            <a:r>
-              <a:rPr lang="zh-TW" altLang="en-US" sz="6400" b="1" dirty="0">
-                <a:solidFill>
-                  <a:srgbClr val="000066"/>
-                </a:solidFill>
-                <a:latin typeface="微軟正黑體" pitchFamily="34" charset="-120"/>
-                <a:ea typeface="微軟正黑體" pitchFamily="34" charset="-120"/>
-              </a:rPr>
-              <a:t>樂</a:t>
-            </a:r>
-            <a:r>
-              <a:rPr lang="zh-TW" altLang="en-US" sz="6400" b="1" dirty="0" smtClean="0">
-                <a:solidFill>
-                  <a:srgbClr val="000066"/>
-                </a:solidFill>
-                <a:latin typeface="微軟正黑體" pitchFamily="34" charset="-120"/>
-                <a:ea typeface="微軟正黑體" pitchFamily="34" charset="-120"/>
-              </a:rPr>
-              <a:t>頌  願</a:t>
-            </a:r>
-            <a:r>
-              <a:rPr lang="zh-TW" altLang="en-US" sz="6400" b="1" dirty="0">
-                <a:solidFill>
-                  <a:srgbClr val="000066"/>
-                </a:solidFill>
-                <a:latin typeface="微軟正黑體" pitchFamily="34" charset="-120"/>
-                <a:ea typeface="微軟正黑體" pitchFamily="34" charset="-120"/>
-              </a:rPr>
-              <a:t>天天一起唱</a:t>
+              <a:t>你與我  快樂頌  願天天一起唱</a:t>
             </a:r>
             <a:endParaRPr lang="en-US" altLang="zh-CN" sz="6400" b="1" dirty="0">
               <a:solidFill>
@@ -6275,62 +5764,7 @@
                 <a:ea typeface="微軟正黑體" pitchFamily="34" charset="-120"/>
                 <a:cs typeface="Calibri" panose="020F0502020204030204" pitchFamily="34" charset="0"/>
               </a:rPr>
-              <a:t>Đêm </a:t>
-            </a:r>
-            <a:r>
-              <a:rPr lang="vi-VN" sz="4000" b="1" dirty="0" smtClean="0">
-                <a:solidFill>
-                  <a:srgbClr val="660033"/>
-                </a:solidFill>
-                <a:latin typeface="Calibri" panose="020F0502020204030204" pitchFamily="34" charset="0"/>
-                <a:ea typeface="微軟正黑體" pitchFamily="34" charset="-120"/>
-                <a:cs typeface="Calibri" panose="020F0502020204030204" pitchFamily="34" charset="0"/>
-              </a:rPr>
-              <a:t>Noel, </a:t>
-            </a:r>
-            <a:r>
-              <a:rPr lang="vi-VN" sz="4000" b="1" dirty="0">
-                <a:solidFill>
-                  <a:srgbClr val="660033"/>
-                </a:solidFill>
-                <a:latin typeface="Calibri" panose="020F0502020204030204" pitchFamily="34" charset="0"/>
-                <a:ea typeface="微軟正黑體" pitchFamily="34" charset="-120"/>
-                <a:cs typeface="Calibri" panose="020F0502020204030204" pitchFamily="34" charset="0"/>
-              </a:rPr>
-              <a:t>đêm </a:t>
-            </a:r>
-            <a:r>
-              <a:rPr lang="vi-VN" sz="4000" b="1" dirty="0" smtClean="0">
-                <a:solidFill>
-                  <a:srgbClr val="660033"/>
-                </a:solidFill>
-                <a:latin typeface="Calibri" panose="020F0502020204030204" pitchFamily="34" charset="0"/>
-                <a:ea typeface="微軟正黑體" pitchFamily="34" charset="-120"/>
-                <a:cs typeface="Calibri" panose="020F0502020204030204" pitchFamily="34" charset="0"/>
-              </a:rPr>
-              <a:t>Noel,</a:t>
-            </a:r>
-            <a:r>
-              <a:rPr lang="vi-VN" sz="4000" b="1" dirty="0">
-                <a:solidFill>
-                  <a:srgbClr val="660033"/>
-                </a:solidFill>
-                <a:latin typeface="Calibri" panose="020F0502020204030204" pitchFamily="34" charset="0"/>
-                <a:ea typeface="微軟正黑體" pitchFamily="34" charset="-120"/>
-                <a:cs typeface="Calibri" panose="020F0502020204030204" pitchFamily="34" charset="0"/>
-              </a:rPr>
-              <a:t> ta hãy chúc nhau an </a:t>
-            </a:r>
-            <a:r>
-              <a:rPr lang="vi-VN" sz="4000" b="1" dirty="0" smtClean="0">
-                <a:solidFill>
-                  <a:srgbClr val="660033"/>
-                </a:solidFill>
-                <a:latin typeface="Calibri" panose="020F0502020204030204" pitchFamily="34" charset="0"/>
-                <a:ea typeface="微軟正黑體" pitchFamily="34" charset="-120"/>
-                <a:cs typeface="Calibri" panose="020F0502020204030204" pitchFamily="34" charset="0"/>
-              </a:rPr>
-              <a:t>bình</a:t>
+              <a:t>Đêm Noel, đêm Noel, ta hãy chúc nhau an bình</a:t>
             </a:r>
             <a:endParaRPr lang="en-US" sz="4000" b="1" dirty="0">
               <a:solidFill>
@@ -6352,7 +5786,7 @@
         <p:spPr>
           <a:xfrm>
             <a:off x="0" y="5253203"/>
-            <a:ext cx="12192000" cy="707886"/>
+            <a:ext cx="12192000" cy="646331"/>
           </a:xfrm>
           <a:prstGeom prst="rect">
             <a:avLst/>
@@ -6367,54 +5801,39 @@
           <a:p>
             <a:pPr algn="ctr"/>
             <a:r>
-              <a:rPr lang="en-US" sz="4000" b="1" dirty="0">
+              <a:rPr lang="en-US" sz="3600" b="1" dirty="0">
                 <a:solidFill>
                   <a:srgbClr val="000066"/>
                 </a:solidFill>
-                <a:effectLst/>
                 <a:latin typeface="Microsoft JhengHei" panose="020B0604030504040204" pitchFamily="34" charset="-120"/>
                 <a:ea typeface="Microsoft JhengHei" panose="020B0604030504040204" pitchFamily="34" charset="-120"/>
               </a:rPr>
               <a:t>( </a:t>
             </a:r>
             <a:r>
-              <a:rPr lang="zh-CN" altLang="en-US" sz="4000" b="1" dirty="0" smtClean="0">
+              <a:rPr lang="zh-CN" altLang="en-US" sz="3600" b="1" dirty="0">
                 <a:solidFill>
                   <a:srgbClr val="000066"/>
                 </a:solidFill>
-                <a:effectLst/>
                 <a:latin typeface="Microsoft JhengHei" panose="020B0604030504040204" pitchFamily="34" charset="-120"/>
                 <a:ea typeface="Microsoft JhengHei" panose="020B0604030504040204" pitchFamily="34" charset="-120"/>
               </a:rPr>
-              <a:t>副</a:t>
-            </a:r>
-            <a:r>
-              <a:rPr lang="en-US" sz="4000" b="1" dirty="0" smtClean="0">
+              <a:t>副歌</a:t>
+            </a:r>
+            <a:r>
+              <a:rPr lang="en-US" sz="3600" b="1" dirty="0">
                 <a:solidFill>
                   <a:srgbClr val="000066"/>
                 </a:solidFill>
-                <a:effectLst/>
                 <a:latin typeface="Microsoft JhengHei" panose="020B0604030504040204" pitchFamily="34" charset="-120"/>
                 <a:ea typeface="Microsoft JhengHei" panose="020B0604030504040204" pitchFamily="34" charset="-120"/>
               </a:rPr>
-              <a:t> </a:t>
-            </a:r>
-            <a:r>
-              <a:rPr lang="en-US" sz="4000" b="1" dirty="0">
-                <a:solidFill>
-                  <a:srgbClr val="000066"/>
-                </a:solidFill>
-                <a:effectLst/>
-                <a:latin typeface="Microsoft JhengHei" panose="020B0604030504040204" pitchFamily="34" charset="-120"/>
-                <a:ea typeface="Microsoft JhengHei" panose="020B0604030504040204" pitchFamily="34" charset="-120"/>
-              </a:rPr>
-              <a:t>)</a:t>
-            </a:r>
-            <a:endParaRPr lang="vi-VN" sz="4000" b="1" dirty="0">
+              <a:t> )</a:t>
+            </a:r>
+            <a:endParaRPr lang="vi-VN" sz="3600" b="1" dirty="0">
               <a:solidFill>
                 <a:srgbClr val="000066"/>
               </a:solidFill>
-              <a:effectLst/>
               <a:ea typeface="Microsoft JhengHei" panose="020B0604030504040204" pitchFamily="34" charset="-120"/>
             </a:endParaRPr>
           </a:p>
